--- a/Netflix_original/3_analysis_netflix_rate_in_imbd/netflix_original_로버스트회귀/로버스트회귀.pptx
+++ b/Netflix_original/3_analysis_netflix_rate_in_imbd/netflix_original_로버스트회귀/로버스트회귀.pptx
@@ -139,7 +139,7 @@
 <file path=ppt/revisionInfo.xml><?xml version="1.0" encoding="utf-8"?>
 <p1510:revInfo xmlns:a="http://schemas.openxmlformats.org/drawingml/2006/main" xmlns:r="http://schemas.openxmlformats.org/officeDocument/2006/relationships" xmlns:p1510="http://schemas.microsoft.com/office/powerpoint/2015/10/main">
   <p1510:revLst>
-    <p1510:client id="{4AA8FFAF-FBDD-4338-9AA2-8D3AF67B4D33}" v="28" dt="2021-06-29T04:02:52.654"/>
+    <p1510:client id="{4AA8FFAF-FBDD-4338-9AA2-8D3AF67B4D33}" v="29" dt="2021-07-01T04:49:50.934"/>
   </p1510:revLst>
 </p1510:revInfo>
 </file>
@@ -173,7 +173,7 @@
   <pc:docChgLst>
     <pc:chgData name="김정호" userId="a115ac67-88fc-423e-bd34-78ee0fe0a2b7" providerId="ADAL" clId="{4AA8FFAF-FBDD-4338-9AA2-8D3AF67B4D33}"/>
     <pc:docChg chg="undo custSel addSld modSld">
-      <pc:chgData name="김정호" userId="a115ac67-88fc-423e-bd34-78ee0fe0a2b7" providerId="ADAL" clId="{4AA8FFAF-FBDD-4338-9AA2-8D3AF67B4D33}" dt="2021-06-29T04:02:52.654" v="405"/>
+      <pc:chgData name="김정호" userId="a115ac67-88fc-423e-bd34-78ee0fe0a2b7" providerId="ADAL" clId="{4AA8FFAF-FBDD-4338-9AA2-8D3AF67B4D33}" dt="2021-07-01T04:49:59.547" v="408" actId="20577"/>
       <pc:docMkLst>
         <pc:docMk/>
       </pc:docMkLst>
@@ -648,19 +648,42 @@
         </pc:spChg>
       </pc:sldChg>
       <pc:sldChg chg="modSp mod">
-        <pc:chgData name="김정호" userId="a115ac67-88fc-423e-bd34-78ee0fe0a2b7" providerId="ADAL" clId="{4AA8FFAF-FBDD-4338-9AA2-8D3AF67B4D33}" dt="2021-06-29T04:02:52.654" v="405"/>
+        <pc:chgData name="김정호" userId="a115ac67-88fc-423e-bd34-78ee0fe0a2b7" providerId="ADAL" clId="{4AA8FFAF-FBDD-4338-9AA2-8D3AF67B4D33}" dt="2021-07-01T04:49:59.547" v="408" actId="20577"/>
         <pc:sldMkLst>
           <pc:docMk/>
           <pc:sldMk cId="2200659396" sldId="274"/>
         </pc:sldMkLst>
         <pc:spChg chg="mod">
-          <ac:chgData name="김정호" userId="a115ac67-88fc-423e-bd34-78ee0fe0a2b7" providerId="ADAL" clId="{4AA8FFAF-FBDD-4338-9AA2-8D3AF67B4D33}" dt="2021-06-29T04:02:52.654" v="405"/>
+          <ac:chgData name="김정호" userId="a115ac67-88fc-423e-bd34-78ee0fe0a2b7" providerId="ADAL" clId="{4AA8FFAF-FBDD-4338-9AA2-8D3AF67B4D33}" dt="2021-07-01T04:49:58.756" v="407" actId="20577"/>
+          <ac:spMkLst>
+            <pc:docMk/>
+            <pc:sldMk cId="2200659396" sldId="274"/>
+            <ac:spMk id="9" creationId="{622FB0FF-CF12-4876-BD4F-4FF0D273979C}"/>
+          </ac:spMkLst>
+        </pc:spChg>
+        <pc:spChg chg="mod">
+          <ac:chgData name="김정호" userId="a115ac67-88fc-423e-bd34-78ee0fe0a2b7" providerId="ADAL" clId="{4AA8FFAF-FBDD-4338-9AA2-8D3AF67B4D33}" dt="2021-07-01T04:49:59.547" v="408" actId="20577"/>
           <ac:spMkLst>
             <pc:docMk/>
             <pc:sldMk cId="2200659396" sldId="274"/>
             <ac:spMk id="11" creationId="{99C954D4-4DEB-43DA-BD40-C62F4BF1006B}"/>
           </ac:spMkLst>
         </pc:spChg>
+      </pc:sldChg>
+      <pc:sldChg chg="addSp modSp">
+        <pc:chgData name="김정호" userId="a115ac67-88fc-423e-bd34-78ee0fe0a2b7" providerId="ADAL" clId="{4AA8FFAF-FBDD-4338-9AA2-8D3AF67B4D33}" dt="2021-07-01T04:49:50.934" v="406"/>
+        <pc:sldMkLst>
+          <pc:docMk/>
+          <pc:sldMk cId="2893338430" sldId="276"/>
+        </pc:sldMkLst>
+        <pc:picChg chg="add mod">
+          <ac:chgData name="김정호" userId="a115ac67-88fc-423e-bd34-78ee0fe0a2b7" providerId="ADAL" clId="{4AA8FFAF-FBDD-4338-9AA2-8D3AF67B4D33}" dt="2021-07-01T04:49:50.934" v="406"/>
+          <ac:picMkLst>
+            <pc:docMk/>
+            <pc:sldMk cId="2893338430" sldId="276"/>
+            <ac:picMk id="12" creationId="{9966CE8F-FAF4-4439-91C5-4831026CD675}"/>
+          </ac:picMkLst>
+        </pc:picChg>
       </pc:sldChg>
     </pc:docChg>
   </pc:docChgLst>
@@ -814,7 +837,7 @@
           <a:p>
             <a:fld id="{887658BF-E47E-4ECA-A246-FF4B464703B6}" type="datetimeFigureOut">
               <a:rPr lang="ko-KR" altLang="en-US" smtClean="0"/>
-              <a:t>2021-06-29</a:t>
+              <a:t>2021-07-01</a:t>
             </a:fld>
             <a:endParaRPr lang="ko-KR" altLang="en-US"/>
           </a:p>
@@ -1012,7 +1035,7 @@
           <a:p>
             <a:fld id="{887658BF-E47E-4ECA-A246-FF4B464703B6}" type="datetimeFigureOut">
               <a:rPr lang="ko-KR" altLang="en-US" smtClean="0"/>
-              <a:t>2021-06-29</a:t>
+              <a:t>2021-07-01</a:t>
             </a:fld>
             <a:endParaRPr lang="ko-KR" altLang="en-US"/>
           </a:p>
@@ -1220,7 +1243,7 @@
           <a:p>
             <a:fld id="{887658BF-E47E-4ECA-A246-FF4B464703B6}" type="datetimeFigureOut">
               <a:rPr lang="ko-KR" altLang="en-US" smtClean="0"/>
-              <a:t>2021-06-29</a:t>
+              <a:t>2021-07-01</a:t>
             </a:fld>
             <a:endParaRPr lang="ko-KR" altLang="en-US"/>
           </a:p>
@@ -1418,7 +1441,7 @@
           <a:p>
             <a:fld id="{887658BF-E47E-4ECA-A246-FF4B464703B6}" type="datetimeFigureOut">
               <a:rPr lang="ko-KR" altLang="en-US" smtClean="0"/>
-              <a:t>2021-06-29</a:t>
+              <a:t>2021-07-01</a:t>
             </a:fld>
             <a:endParaRPr lang="ko-KR" altLang="en-US"/>
           </a:p>
@@ -1693,7 +1716,7 @@
           <a:p>
             <a:fld id="{887658BF-E47E-4ECA-A246-FF4B464703B6}" type="datetimeFigureOut">
               <a:rPr lang="ko-KR" altLang="en-US" smtClean="0"/>
-              <a:t>2021-06-29</a:t>
+              <a:t>2021-07-01</a:t>
             </a:fld>
             <a:endParaRPr lang="ko-KR" altLang="en-US"/>
           </a:p>
@@ -1958,7 +1981,7 @@
           <a:p>
             <a:fld id="{887658BF-E47E-4ECA-A246-FF4B464703B6}" type="datetimeFigureOut">
               <a:rPr lang="ko-KR" altLang="en-US" smtClean="0"/>
-              <a:t>2021-06-29</a:t>
+              <a:t>2021-07-01</a:t>
             </a:fld>
             <a:endParaRPr lang="ko-KR" altLang="en-US"/>
           </a:p>
@@ -2370,7 +2393,7 @@
           <a:p>
             <a:fld id="{887658BF-E47E-4ECA-A246-FF4B464703B6}" type="datetimeFigureOut">
               <a:rPr lang="ko-KR" altLang="en-US" smtClean="0"/>
-              <a:t>2021-06-29</a:t>
+              <a:t>2021-07-01</a:t>
             </a:fld>
             <a:endParaRPr lang="ko-KR" altLang="en-US"/>
           </a:p>
@@ -2511,7 +2534,7 @@
           <a:p>
             <a:fld id="{887658BF-E47E-4ECA-A246-FF4B464703B6}" type="datetimeFigureOut">
               <a:rPr lang="ko-KR" altLang="en-US" smtClean="0"/>
-              <a:t>2021-06-29</a:t>
+              <a:t>2021-07-01</a:t>
             </a:fld>
             <a:endParaRPr lang="ko-KR" altLang="en-US"/>
           </a:p>
@@ -2624,7 +2647,7 @@
           <a:p>
             <a:fld id="{887658BF-E47E-4ECA-A246-FF4B464703B6}" type="datetimeFigureOut">
               <a:rPr lang="ko-KR" altLang="en-US" smtClean="0"/>
-              <a:t>2021-06-29</a:t>
+              <a:t>2021-07-01</a:t>
             </a:fld>
             <a:endParaRPr lang="ko-KR" altLang="en-US"/>
           </a:p>
@@ -2935,7 +2958,7 @@
           <a:p>
             <a:fld id="{887658BF-E47E-4ECA-A246-FF4B464703B6}" type="datetimeFigureOut">
               <a:rPr lang="ko-KR" altLang="en-US" smtClean="0"/>
-              <a:t>2021-06-29</a:t>
+              <a:t>2021-07-01</a:t>
             </a:fld>
             <a:endParaRPr lang="ko-KR" altLang="en-US"/>
           </a:p>
@@ -3223,7 +3246,7 @@
           <a:p>
             <a:fld id="{887658BF-E47E-4ECA-A246-FF4B464703B6}" type="datetimeFigureOut">
               <a:rPr lang="ko-KR" altLang="en-US" smtClean="0"/>
-              <a:t>2021-06-29</a:t>
+              <a:t>2021-07-01</a:t>
             </a:fld>
             <a:endParaRPr lang="ko-KR" altLang="en-US"/>
           </a:p>
@@ -3464,7 +3487,7 @@
           <a:p>
             <a:fld id="{887658BF-E47E-4ECA-A246-FF4B464703B6}" type="datetimeFigureOut">
               <a:rPr lang="ko-KR" altLang="en-US" smtClean="0"/>
-              <a:t>2021-06-29</a:t>
+              <a:t>2021-07-01</a:t>
             </a:fld>
             <a:endParaRPr lang="ko-KR" altLang="en-US"/>
           </a:p>
@@ -7894,7 +7917,7 @@
                 <a:latin typeface="Arial" panose="020B0604020202020204" pitchFamily="34" charset="0"/>
                 <a:cs typeface="Arial" panose="020B0604020202020204" pitchFamily="34" charset="0"/>
               </a:rPr>
-              <a:t>-</a:t>
+              <a:t>- </a:t>
             </a:r>
             <a:r>
               <a:rPr lang="ko-KR" altLang="en-US" b="1" dirty="0">
@@ -8169,7 +8192,7 @@
                 <a:effectLst/>
                 <a:latin typeface="Helvetica Neue"/>
               </a:rPr>
-              <a:t>-Factor</a:t>
+              <a:t>- Factor</a:t>
             </a:r>
             <a:r>
               <a:rPr lang="ko-KR" altLang="en-US" b="1" i="0" dirty="0">
@@ -10743,6 +10766,42 @@
           </a:p>
         </p:txBody>
       </p:sp>
+      <p:pic>
+        <p:nvPicPr>
+          <p:cNvPr id="12" name="Picture 0">
+            <a:extLst>
+              <a:ext uri="{FF2B5EF4-FFF2-40B4-BE49-F238E27FC236}">
+                <a16:creationId xmlns:a16="http://schemas.microsoft.com/office/drawing/2014/main" id="{9966CE8F-FAF4-4439-91C5-4831026CD675}"/>
+              </a:ext>
+            </a:extLst>
+          </p:cNvPr>
+          <p:cNvPicPr>
+            <a:picLocks noChangeAspect="1"/>
+          </p:cNvPicPr>
+          <p:nvPr/>
+        </p:nvPicPr>
+        <p:blipFill>
+          <a:blip r:embed="rId6"/>
+          <a:srcRect l="11024" t="3956" r="12996" b="8674"/>
+          <a:stretch>
+            <a:fillRect/>
+          </a:stretch>
+        </p:blipFill>
+        <p:spPr>
+          <a:xfrm>
+            <a:off x="9661111" y="6277048"/>
+            <a:ext cx="581727" cy="552542"/>
+          </a:xfrm>
+          <a:prstGeom prst="rect">
+            <a:avLst/>
+          </a:prstGeom>
+          <a:noFill/>
+          <a:ln>
+            <a:noFill/>
+          </a:ln>
+          <a:effectLst/>
+        </p:spPr>
+      </p:pic>
     </p:spTree>
     <p:extLst>
       <p:ext uri="{BB962C8B-B14F-4D97-AF65-F5344CB8AC3E}">
